--- a/Easiest 발표 자료.pptx
+++ b/Easiest 발표 자료.pptx
@@ -15551,26 +15551,21 @@
               <a:buSzPts val="2800"/>
             </a:pPr>
             <a:r>
+              <a:rPr lang="en-US" altLang="ko-KR" sz="2000" dirty="0" err="1"/>
+              <a:t>TestShell</a:t>
+            </a:r>
+            <a:r>
               <a:rPr lang="ko-KR" altLang="en-US" sz="2000" dirty="0"/>
-              <a:t>명령</a:t>
-            </a:r>
-            <a:r>
-              <a:rPr lang="en-US" altLang="ko-KR" sz="2000" dirty="0"/>
-              <a:t>(Command)</a:t>
+              <a:t>과 </a:t>
+            </a:r>
+            <a:r>
+              <a:rPr lang="en-US" altLang="ko-KR" sz="2000" dirty="0" err="1"/>
+              <a:t>TestScript</a:t>
             </a:r>
             <a:r>
               <a:rPr lang="ko-KR" altLang="en-US" sz="2000" dirty="0"/>
-              <a:t>을 </a:t>
-            </a:r>
-            <a:r>
-              <a:rPr lang="en-US" altLang="ko-KR" sz="2000" dirty="0"/>
-              <a:t>Shell / Script </a:t>
-            </a:r>
-            <a:r>
-              <a:rPr lang="ko-KR" altLang="en-US" sz="2000" dirty="0"/>
-              <a:t>방식으로 분리</a:t>
-            </a:r>
-            <a:endParaRPr lang="en-US" altLang="ko-KR" sz="2000" dirty="0"/>
+              <a:t>는 각각 다른 실행 전략</a:t>
+            </a:r>
           </a:p>
           <a:p>
             <a:pPr marL="520700">
@@ -15581,29 +15576,16 @@
             </a:pPr>
             <a:r>
               <a:rPr lang="ko-KR" altLang="en-US" sz="2000" dirty="0"/>
-              <a:t>공통 인터페이스</a:t>
-            </a:r>
-            <a:r>
-              <a:rPr lang="en-US" altLang="ko-KR" sz="2000" dirty="0"/>
-              <a:t>(Command </a:t>
+              <a:t>공통 인터페이스 </a:t>
+            </a:r>
+            <a:r>
+              <a:rPr lang="en-US" altLang="ko-KR" sz="2000" dirty="0" err="1"/>
+              <a:t>ICommandExecutor</a:t>
             </a:r>
             <a:r>
               <a:rPr lang="ko-KR" altLang="en-US" sz="2000" dirty="0"/>
-              <a:t>또는 </a:t>
-            </a:r>
-            <a:r>
-              <a:rPr lang="en-US" altLang="ko-KR" sz="2000" dirty="0" err="1"/>
-              <a:t>ICommandStrategy</a:t>
-            </a:r>
-            <a:r>
-              <a:rPr lang="en-US" altLang="ko-KR" sz="2000" dirty="0"/>
-              <a:t>) </a:t>
-            </a:r>
-            <a:r>
-              <a:rPr lang="ko-KR" altLang="en-US" sz="2000" dirty="0"/>
-              <a:t>정의로 실행 전략 캡슐화</a:t>
-            </a:r>
-            <a:endParaRPr lang="en-US" altLang="ko-KR" sz="2000" dirty="0"/>
+              <a:t>로 전략을 추상화</a:t>
+            </a:r>
           </a:p>
           <a:p>
             <a:pPr marL="520700">
@@ -15613,44 +15595,23 @@
               <a:buSzPts val="2800"/>
             </a:pPr>
             <a:r>
-              <a:rPr lang="en-US" altLang="ko-KR" sz="2000" dirty="0" err="1"/>
-              <a:t>TestShell</a:t>
-            </a:r>
-            <a:r>
               <a:rPr lang="ko-KR" altLang="en-US" sz="2000" dirty="0"/>
-              <a:t>이나 </a:t>
-            </a:r>
-            <a:r>
-              <a:rPr lang="en-US" altLang="ko-KR" sz="2000" dirty="0" err="1"/>
-              <a:t>CommandFactory</a:t>
+              <a:t>실행 방식에 따라 객체만 교체하면 되므로 </a:t>
+            </a:r>
+            <a:r>
+              <a:rPr lang="en-US" altLang="ko-KR" sz="2000" dirty="0"/>
+              <a:t>OCP(Open-Closed Principle) </a:t>
             </a:r>
             <a:r>
               <a:rPr lang="ko-KR" altLang="en-US" sz="2000" dirty="0"/>
-              <a:t>는 실행 방식에 의존하지 않고</a:t>
-            </a:r>
-            <a:r>
-              <a:rPr lang="en-US" altLang="ko-KR" sz="2000" dirty="0"/>
-              <a:t>, </a:t>
-            </a:r>
-            <a:r>
-              <a:rPr lang="ko-KR" altLang="en-US" sz="2000" dirty="0"/>
-              <a:t>전략만 교체</a:t>
+              <a:t>만족</a:t>
             </a:r>
           </a:p>
           <a:p>
-            <a:pPr marL="177800" lvl="0" indent="0" algn="l" rtl="0">
-              <a:lnSpc>
-                <a:spcPct val="90000"/>
-              </a:lnSpc>
-              <a:spcBef>
-                <a:spcPts val="0"/>
-              </a:spcBef>
-              <a:spcAft>
-                <a:spcPts val="0"/>
-              </a:spcAft>
-              <a:buClr>
-                <a:schemeClr val="dk1"/>
-              </a:buClr>
+            <a:pPr marL="177800" indent="0">
+              <a:spcBef>
+                <a:spcPts val="0"/>
+              </a:spcBef>
               <a:buSzPts val="2800"/>
               <a:buNone/>
             </a:pPr>
@@ -15662,7 +15623,7 @@
             </a:r>
             <a:r>
               <a:rPr lang="ko-KR" altLang="en-US" sz="2000" dirty="0"/>
-              <a:t>새로운 실행 방식이 생겨도 코드 변경 없이 확장 가능</a:t>
+              <a:t>새로운 실행 방식이 생겨도 기존 코드 변경 없이 확장 가능</a:t>
             </a:r>
             <a:endParaRPr lang="en-US" altLang="ko-KR" sz="2000" dirty="0"/>
           </a:p>
@@ -15709,10 +15670,10 @@
       </p:sp>
       <p:pic>
         <p:nvPicPr>
-          <p:cNvPr id="6" name="그림 5">
+          <p:cNvPr id="10" name="그림 9">
             <a:extLst>
               <a:ext uri="{FF2B5EF4-FFF2-40B4-BE49-F238E27FC236}">
-                <a16:creationId xmlns:a16="http://schemas.microsoft.com/office/drawing/2014/main" id="{9D58A148-0E69-45A3-837A-5B3ADC9A666E}"/>
+                <a16:creationId xmlns:a16="http://schemas.microsoft.com/office/drawing/2014/main" id="{62BFD2DB-B3DC-4AD0-B6EB-B4CCE56A9DFB}"/>
               </a:ext>
             </a:extLst>
           </p:cNvPr>
@@ -15721,16 +15682,15 @@
           </p:cNvPicPr>
           <p:nvPr/>
         </p:nvPicPr>
-        <p:blipFill>
+        <p:blipFill rotWithShape="1">
           <a:blip r:embed="rId3"/>
-          <a:stretch>
-            <a:fillRect/>
-          </a:stretch>
+          <a:srcRect t="18832" r="68724"/>
+          <a:stretch/>
         </p:blipFill>
         <p:spPr>
           <a:xfrm>
-            <a:off x="4883647" y="2928924"/>
-            <a:ext cx="6966857" cy="3787562"/>
+            <a:off x="368646" y="3077724"/>
+            <a:ext cx="3723813" cy="3579570"/>
           </a:xfrm>
           <a:prstGeom prst="rect">
             <a:avLst/>
@@ -15739,10 +15699,10 @@
       </p:pic>
       <p:pic>
         <p:nvPicPr>
-          <p:cNvPr id="7" name="그림 6">
+          <p:cNvPr id="3" name="그림 2">
             <a:extLst>
               <a:ext uri="{FF2B5EF4-FFF2-40B4-BE49-F238E27FC236}">
-                <a16:creationId xmlns:a16="http://schemas.microsoft.com/office/drawing/2014/main" id="{3F819568-5AD7-4AF3-8595-777DC6D902B7}"/>
+                <a16:creationId xmlns:a16="http://schemas.microsoft.com/office/drawing/2014/main" id="{BA1A4D18-C565-4678-8769-3B3CFBB539EB}"/>
               </a:ext>
             </a:extLst>
           </p:cNvPr>
@@ -15759,68 +15719,44 @@
         </p:blipFill>
         <p:spPr>
           <a:xfrm>
-            <a:off x="1070420" y="3137258"/>
-            <a:ext cx="2428531" cy="3343073"/>
+            <a:off x="4141446" y="3672098"/>
+            <a:ext cx="4474600" cy="2572078"/>
           </a:xfrm>
           <a:prstGeom prst="rect">
             <a:avLst/>
           </a:prstGeom>
         </p:spPr>
       </p:pic>
-      <p:sp>
-        <p:nvSpPr>
-          <p:cNvPr id="9" name="화살표: 오른쪽 8">
+      <p:pic>
+        <p:nvPicPr>
+          <p:cNvPr id="12" name="그림 11">
             <a:extLst>
               <a:ext uri="{FF2B5EF4-FFF2-40B4-BE49-F238E27FC236}">
-                <a16:creationId xmlns:a16="http://schemas.microsoft.com/office/drawing/2014/main" id="{38C65BA8-09B0-4A4C-B2EA-85905AEB51E3}"/>
+                <a16:creationId xmlns:a16="http://schemas.microsoft.com/office/drawing/2014/main" id="{448E676A-5711-4121-A99E-0E8E637B775D}"/>
               </a:ext>
             </a:extLst>
           </p:cNvPr>
-          <p:cNvSpPr/>
+          <p:cNvPicPr>
+            <a:picLocks noChangeAspect="1"/>
+          </p:cNvPicPr>
           <p:nvPr/>
-        </p:nvSpPr>
+        </p:nvPicPr>
+        <p:blipFill>
+          <a:blip r:embed="rId5"/>
+          <a:stretch>
+            <a:fillRect/>
+          </a:stretch>
+        </p:blipFill>
         <p:spPr>
           <a:xfrm>
-            <a:off x="3622269" y="4501597"/>
-            <a:ext cx="1178331" cy="375203"/>
+            <a:off x="8665033" y="4174350"/>
+            <a:ext cx="3310242" cy="1367274"/>
           </a:xfrm>
-          <a:prstGeom prst="rightArrow">
+          <a:prstGeom prst="rect">
             <a:avLst/>
           </a:prstGeom>
-          <a:solidFill>
-            <a:schemeClr val="accent6">
-              <a:alpha val="70000"/>
-            </a:schemeClr>
-          </a:solidFill>
-          <a:ln>
-            <a:noFill/>
-          </a:ln>
         </p:spPr>
-        <p:style>
-          <a:lnRef idx="2">
-            <a:schemeClr val="accent1">
-              <a:shade val="50000"/>
-            </a:schemeClr>
-          </a:lnRef>
-          <a:fillRef idx="1">
-            <a:schemeClr val="accent1"/>
-          </a:fillRef>
-          <a:effectRef idx="0">
-            <a:schemeClr val="accent1"/>
-          </a:effectRef>
-          <a:fontRef idx="minor">
-            <a:schemeClr val="lt1"/>
-          </a:fontRef>
-        </p:style>
-        <p:txBody>
-          <a:bodyPr rtlCol="0" anchor="ctr"/>
-          <a:lstStyle/>
-          <a:p>
-            <a:pPr algn="ctr"/>
-            <a:endParaRPr lang="ko-KR" altLang="en-US"/>
-          </a:p>
-        </p:txBody>
-      </p:sp>
+      </p:pic>
     </p:spTree>
     <p:extLst>
       <p:ext uri="{BB962C8B-B14F-4D97-AF65-F5344CB8AC3E}">
@@ -16749,7 +16685,7 @@
               <a:t>: Test Shell write/help/logger </a:t>
             </a:r>
             <a:r>
-              <a:rPr lang="ko-KR" altLang="en-US"/>
+              <a:rPr lang="ko-KR" altLang="en-US" dirty="0"/>
               <a:t>기능 구현</a:t>
             </a:r>
             <a:endParaRPr lang="en-US" altLang="ko-KR" dirty="0"/>
